--- a/AzureDataOverview/AzureDSOverview.pptx
+++ b/AzureDataOverview/AzureDSOverview.pptx
@@ -216,7 +216,7 @@
           <a:p>
             <a:fld id="{EA5437A5-9A1F-423F-AB35-0B6CC9C46E62}" type="datetimeFigureOut">
               <a:rPr lang="en-US" smtClean="0"/>
-              <a:t>1/4/2018</a:t>
+              <a:t>1/11/2018</a:t>
             </a:fld>
             <a:endParaRPr lang="en-US"/>
           </a:p>
